--- a/fultter_task/Flutter Timer.pptx
+++ b/fultter_task/Flutter Timer.pptx
@@ -266,7 +266,7 @@
           <a:p>
             <a:fld id="{78E21B13-671C-42FD-888D-36CBCA4FD1AF}" type="datetimeFigureOut">
               <a:rPr kumimoji="1" lang="ja-JP" altLang="en-US" smtClean="0"/>
-              <a:t>2024/7/8</a:t>
+              <a:t>2024/7/16</a:t>
             </a:fld>
             <a:endParaRPr kumimoji="1" lang="ja-JP" altLang="en-US"/>
           </a:p>
@@ -496,7 +496,7 @@
           <a:p>
             <a:fld id="{78E21B13-671C-42FD-888D-36CBCA4FD1AF}" type="datetimeFigureOut">
               <a:rPr kumimoji="1" lang="ja-JP" altLang="en-US" smtClean="0"/>
-              <a:t>2024/7/8</a:t>
+              <a:t>2024/7/16</a:t>
             </a:fld>
             <a:endParaRPr kumimoji="1" lang="ja-JP" altLang="en-US"/>
           </a:p>
@@ -736,7 +736,7 @@
           <a:p>
             <a:fld id="{78E21B13-671C-42FD-888D-36CBCA4FD1AF}" type="datetimeFigureOut">
               <a:rPr kumimoji="1" lang="ja-JP" altLang="en-US" smtClean="0"/>
-              <a:t>2024/7/8</a:t>
+              <a:t>2024/7/16</a:t>
             </a:fld>
             <a:endParaRPr kumimoji="1" lang="ja-JP" altLang="en-US"/>
           </a:p>
@@ -966,7 +966,7 @@
           <a:p>
             <a:fld id="{78E21B13-671C-42FD-888D-36CBCA4FD1AF}" type="datetimeFigureOut">
               <a:rPr kumimoji="1" lang="ja-JP" altLang="en-US" smtClean="0"/>
-              <a:t>2024/7/8</a:t>
+              <a:t>2024/7/16</a:t>
             </a:fld>
             <a:endParaRPr kumimoji="1" lang="ja-JP" altLang="en-US"/>
           </a:p>
@@ -1241,7 +1241,7 @@
           <a:p>
             <a:fld id="{78E21B13-671C-42FD-888D-36CBCA4FD1AF}" type="datetimeFigureOut">
               <a:rPr kumimoji="1" lang="ja-JP" altLang="en-US" smtClean="0"/>
-              <a:t>2024/7/8</a:t>
+              <a:t>2024/7/16</a:t>
             </a:fld>
             <a:endParaRPr kumimoji="1" lang="ja-JP" altLang="en-US"/>
           </a:p>
@@ -1570,7 +1570,7 @@
           <a:p>
             <a:fld id="{78E21B13-671C-42FD-888D-36CBCA4FD1AF}" type="datetimeFigureOut">
               <a:rPr kumimoji="1" lang="ja-JP" altLang="en-US" smtClean="0"/>
-              <a:t>2024/7/8</a:t>
+              <a:t>2024/7/16</a:t>
             </a:fld>
             <a:endParaRPr kumimoji="1" lang="ja-JP" altLang="en-US"/>
           </a:p>
@@ -2046,7 +2046,7 @@
           <a:p>
             <a:fld id="{78E21B13-671C-42FD-888D-36CBCA4FD1AF}" type="datetimeFigureOut">
               <a:rPr kumimoji="1" lang="ja-JP" altLang="en-US" smtClean="0"/>
-              <a:t>2024/7/8</a:t>
+              <a:t>2024/7/16</a:t>
             </a:fld>
             <a:endParaRPr kumimoji="1" lang="ja-JP" altLang="en-US"/>
           </a:p>
@@ -2187,7 +2187,7 @@
           <a:p>
             <a:fld id="{78E21B13-671C-42FD-888D-36CBCA4FD1AF}" type="datetimeFigureOut">
               <a:rPr kumimoji="1" lang="ja-JP" altLang="en-US" smtClean="0"/>
-              <a:t>2024/7/8</a:t>
+              <a:t>2024/7/16</a:t>
             </a:fld>
             <a:endParaRPr kumimoji="1" lang="ja-JP" altLang="en-US"/>
           </a:p>
@@ -2300,7 +2300,7 @@
           <a:p>
             <a:fld id="{78E21B13-671C-42FD-888D-36CBCA4FD1AF}" type="datetimeFigureOut">
               <a:rPr kumimoji="1" lang="ja-JP" altLang="en-US" smtClean="0"/>
-              <a:t>2024/7/8</a:t>
+              <a:t>2024/7/16</a:t>
             </a:fld>
             <a:endParaRPr kumimoji="1" lang="ja-JP" altLang="en-US"/>
           </a:p>
@@ -2643,7 +2643,7 @@
           <a:p>
             <a:fld id="{78E21B13-671C-42FD-888D-36CBCA4FD1AF}" type="datetimeFigureOut">
               <a:rPr kumimoji="1" lang="ja-JP" altLang="en-US" smtClean="0"/>
-              <a:t>2024/7/8</a:t>
+              <a:t>2024/7/16</a:t>
             </a:fld>
             <a:endParaRPr kumimoji="1" lang="ja-JP" altLang="en-US"/>
           </a:p>
@@ -2931,7 +2931,7 @@
           <a:p>
             <a:fld id="{78E21B13-671C-42FD-888D-36CBCA4FD1AF}" type="datetimeFigureOut">
               <a:rPr kumimoji="1" lang="ja-JP" altLang="en-US" smtClean="0"/>
-              <a:t>2024/7/8</a:t>
+              <a:t>2024/7/16</a:t>
             </a:fld>
             <a:endParaRPr kumimoji="1" lang="ja-JP" altLang="en-US"/>
           </a:p>
@@ -3204,7 +3204,7 @@
           <a:p>
             <a:fld id="{78E21B13-671C-42FD-888D-36CBCA4FD1AF}" type="datetimeFigureOut">
               <a:rPr kumimoji="1" lang="ja-JP" altLang="en-US" smtClean="0"/>
-              <a:t>2024/7/8</a:t>
+              <a:t>2024/7/16</a:t>
             </a:fld>
             <a:endParaRPr kumimoji="1" lang="ja-JP" altLang="en-US"/>
           </a:p>
@@ -7538,6 +7538,53 @@
           </a:p>
         </p:txBody>
       </p:sp>
+      <p:pic>
+        <p:nvPicPr>
+          <p:cNvPr id="2050" name="Picture 2" descr="Flutter大学 (@FlutterUniv) / X">
+            <a:extLst>
+              <a:ext uri="{FF2B5EF4-FFF2-40B4-BE49-F238E27FC236}">
+                <a16:creationId xmlns:a16="http://schemas.microsoft.com/office/drawing/2014/main" id="{E4743586-5069-9563-2ABF-D08AA954CF20}"/>
+              </a:ext>
+            </a:extLst>
+          </p:cNvPr>
+          <p:cNvPicPr>
+            <a:picLocks noChangeAspect="1" noChangeArrowheads="1"/>
+          </p:cNvPicPr>
+          <p:nvPr/>
+        </p:nvPicPr>
+        <p:blipFill>
+          <a:blip r:embed="rId2">
+            <a:extLst>
+              <a:ext uri="{28A0092B-C50C-407E-A947-70E740481C1C}">
+                <a14:useLocalDpi xmlns:a14="http://schemas.microsoft.com/office/drawing/2010/main" val="0"/>
+              </a:ext>
+            </a:extLst>
+          </a:blip>
+          <a:srcRect/>
+          <a:stretch>
+            <a:fillRect/>
+          </a:stretch>
+        </p:blipFill>
+        <p:spPr bwMode="auto">
+          <a:xfrm>
+            <a:off x="7635240" y="1380997"/>
+            <a:ext cx="3810000" cy="3810000"/>
+          </a:xfrm>
+          <a:prstGeom prst="rect">
+            <a:avLst/>
+          </a:prstGeom>
+          <a:noFill/>
+          <a:extLst>
+            <a:ext uri="{909E8E84-426E-40DD-AFC4-6F175D3DCCD1}">
+              <a14:hiddenFill xmlns:a14="http://schemas.microsoft.com/office/drawing/2010/main">
+                <a:solidFill>
+                  <a:srgbClr val="FFFFFF"/>
+                </a:solidFill>
+              </a14:hiddenFill>
+            </a:ext>
+          </a:extLst>
+        </p:spPr>
+      </p:pic>
     </p:spTree>
     <p:extLst>
       <p:ext uri="{BB962C8B-B14F-4D97-AF65-F5344CB8AC3E}">
@@ -7568,6 +7615,53 @@
           <a:chExt cx="0" cy="0"/>
         </a:xfrm>
       </p:grpSpPr>
+      <p:pic>
+        <p:nvPicPr>
+          <p:cNvPr id="1028" name="Picture 4" descr="おもちゃのロボットのイラスト">
+            <a:extLst>
+              <a:ext uri="{FF2B5EF4-FFF2-40B4-BE49-F238E27FC236}">
+                <a16:creationId xmlns:a16="http://schemas.microsoft.com/office/drawing/2014/main" id="{294F1DD0-814F-AE0A-7CED-A995BE3F0528}"/>
+              </a:ext>
+            </a:extLst>
+          </p:cNvPr>
+          <p:cNvPicPr>
+            <a:picLocks noChangeAspect="1" noChangeArrowheads="1"/>
+          </p:cNvPicPr>
+          <p:nvPr/>
+        </p:nvPicPr>
+        <p:blipFill>
+          <a:blip r:embed="rId2">
+            <a:extLst>
+              <a:ext uri="{28A0092B-C50C-407E-A947-70E740481C1C}">
+                <a14:useLocalDpi xmlns:a14="http://schemas.microsoft.com/office/drawing/2010/main" val="0"/>
+              </a:ext>
+            </a:extLst>
+          </a:blip>
+          <a:srcRect/>
+          <a:stretch>
+            <a:fillRect/>
+          </a:stretch>
+        </p:blipFill>
+        <p:spPr bwMode="auto">
+          <a:xfrm>
+            <a:off x="4861437" y="3882660"/>
+            <a:ext cx="2198125" cy="2918519"/>
+          </a:xfrm>
+          <a:prstGeom prst="rect">
+            <a:avLst/>
+          </a:prstGeom>
+          <a:noFill/>
+          <a:extLst>
+            <a:ext uri="{909E8E84-426E-40DD-AFC4-6F175D3DCCD1}">
+              <a14:hiddenFill xmlns:a14="http://schemas.microsoft.com/office/drawing/2010/main">
+                <a:solidFill>
+                  <a:srgbClr val="FFFFFF"/>
+                </a:solidFill>
+              </a14:hiddenFill>
+            </a:ext>
+          </a:extLst>
+        </p:spPr>
+      </p:pic>
       <p:sp>
         <p:nvSpPr>
           <p:cNvPr id="2" name="タイトル 1">
@@ -7584,7 +7678,12 @@
             <p:ph type="title"/>
           </p:nvPr>
         </p:nvSpPr>
-        <p:spPr/>
+        <p:spPr>
+          <a:xfrm>
+            <a:off x="1900084" y="2766218"/>
+            <a:ext cx="10515600" cy="1325563"/>
+          </a:xfrm>
+        </p:spPr>
         <p:txBody>
           <a:bodyPr/>
           <a:lstStyle/>
@@ -7612,11 +7711,19 @@
             <p:ph idx="1"/>
           </p:nvPr>
         </p:nvSpPr>
-        <p:spPr/>
+        <p:spPr>
+          <a:xfrm>
+            <a:off x="838200" y="2192593"/>
+            <a:ext cx="115529" cy="3984369"/>
+          </a:xfrm>
+        </p:spPr>
         <p:txBody>
           <a:bodyPr/>
           <a:lstStyle/>
           <a:p>
+            <a:pPr marL="0" indent="0">
+              <a:buNone/>
+            </a:pPr>
             <a:endParaRPr kumimoji="1" lang="ja-JP" altLang="en-US" dirty="0"/>
           </a:p>
         </p:txBody>

--- a/fultter_task/Flutter Timer.pptx
+++ b/fultter_task/Flutter Timer.pptx
@@ -7,12 +7,13 @@
   <p:sldIdLst>
     <p:sldId id="256" r:id="rId2"/>
     <p:sldId id="257" r:id="rId3"/>
-    <p:sldId id="258" r:id="rId4"/>
-    <p:sldId id="259" r:id="rId5"/>
-    <p:sldId id="260" r:id="rId6"/>
-    <p:sldId id="261" r:id="rId7"/>
-    <p:sldId id="263" r:id="rId8"/>
-    <p:sldId id="262" r:id="rId9"/>
+    <p:sldId id="264" r:id="rId4"/>
+    <p:sldId id="258" r:id="rId5"/>
+    <p:sldId id="259" r:id="rId6"/>
+    <p:sldId id="260" r:id="rId7"/>
+    <p:sldId id="261" r:id="rId8"/>
+    <p:sldId id="263" r:id="rId9"/>
+    <p:sldId id="262" r:id="rId10"/>
   </p:sldIdLst>
   <p:sldSz cx="12192000" cy="6858000"/>
   <p:notesSz cx="6858000" cy="9144000"/>
@@ -6866,6 +6867,14 @@
 <file path=ppt/slides/slide3.xml><?xml version="1.0" encoding="utf-8"?>
 <p:sld xmlns:a="http://schemas.openxmlformats.org/drawingml/2006/main" xmlns:r="http://schemas.openxmlformats.org/officeDocument/2006/relationships" xmlns:p="http://schemas.openxmlformats.org/presentationml/2006/main">
   <p:cSld>
+    <p:bg>
+      <p:bgPr>
+        <a:solidFill>
+          <a:schemeClr val="bg1"/>
+        </a:solidFill>
+        <a:effectLst/>
+      </p:bgPr>
+    </p:bg>
     <p:spTree>
       <p:nvGrpSpPr>
         <p:cNvPr id="1" name=""/>
@@ -6880,103 +6889,331 @@
           <a:chExt cx="0" cy="0"/>
         </a:xfrm>
       </p:grpSpPr>
-      <p:sp>
-        <p:nvSpPr>
-          <p:cNvPr id="2" name="タイトル 1">
-            <a:extLst>
-              <a:ext uri="{FF2B5EF4-FFF2-40B4-BE49-F238E27FC236}">
-                <a16:creationId xmlns:a16="http://schemas.microsoft.com/office/drawing/2014/main" id="{D8EDD3F7-DEFD-4D2B-9D23-0A19B1057BD0}"/>
-              </a:ext>
-            </a:extLst>
-          </p:cNvPr>
-          <p:cNvSpPr>
-            <a:spLocks noGrp="1"/>
-          </p:cNvSpPr>
-          <p:nvPr>
-            <p:ph type="title"/>
-          </p:nvPr>
-        </p:nvSpPr>
-        <p:spPr/>
-        <p:txBody>
-          <a:bodyPr/>
-          <a:lstStyle/>
-          <a:p>
-            <a:r>
-              <a:rPr lang="ja-JP" altLang="en-US" b="1" dirty="0"/>
-              <a:t>実装機能</a:t>
-            </a:r>
-            <a:endParaRPr kumimoji="1" lang="ja-JP" altLang="en-US" b="1" dirty="0"/>
-          </a:p>
-        </p:txBody>
-      </p:sp>
-      <p:sp>
-        <p:nvSpPr>
-          <p:cNvPr id="3" name="コンテンツ プレースホルダー 2">
-            <a:extLst>
-              <a:ext uri="{FF2B5EF4-FFF2-40B4-BE49-F238E27FC236}">
-                <a16:creationId xmlns:a16="http://schemas.microsoft.com/office/drawing/2014/main" id="{37253B3B-24ED-9BD8-56E8-B4BAEDC2182F}"/>
-              </a:ext>
-            </a:extLst>
-          </p:cNvPr>
-          <p:cNvSpPr>
-            <a:spLocks noGrp="1"/>
-          </p:cNvSpPr>
-          <p:nvPr>
-            <p:ph idx="1"/>
+      <p:sp useBgFill="1">
+        <p:nvSpPr>
+          <p:cNvPr id="13" name="Rectangle 7">
+            <a:extLst>
+              <a:ext uri="{FF2B5EF4-FFF2-40B4-BE49-F238E27FC236}">
+                <a16:creationId xmlns:a16="http://schemas.microsoft.com/office/drawing/2014/main" id="{934F1179-B481-4F9E-BCA3-AFB972070F83}"/>
+              </a:ext>
+              <a:ext uri="{C183D7F6-B498-43B3-948B-1728B52AA6E4}">
+                <adec:decorative xmlns:adec="http://schemas.microsoft.com/office/drawing/2017/decorative" val="1"/>
+              </a:ext>
+            </a:extLst>
+          </p:cNvPr>
+          <p:cNvSpPr>
+            <a:spLocks noGrp="1" noRot="1" noChangeAspect="1" noMove="1" noResize="1" noEditPoints="1" noAdjustHandles="1" noChangeArrowheads="1" noChangeShapeType="1" noTextEdit="1"/>
+          </p:cNvSpPr>
+          <p:nvPr>
+            <p:extLst>
+              <p:ext uri="{386F3935-93C4-4BCD-93E2-E3B085C9AB24}">
+                <p16:designElem xmlns:p16="http://schemas.microsoft.com/office/powerpoint/2015/main" val="1"/>
+              </p:ext>
+            </p:extLst>
           </p:nvPr>
         </p:nvSpPr>
         <p:spPr>
           <a:xfrm>
-            <a:off x="838200" y="2228747"/>
-            <a:ext cx="10515600" cy="4351338"/>
+            <a:off x="0" y="0"/>
+            <a:ext cx="12192000" cy="6858000"/>
+          </a:xfrm>
+          <a:prstGeom prst="rect">
+            <a:avLst/>
+          </a:prstGeom>
+          <a:ln>
+            <a:noFill/>
+          </a:ln>
+        </p:spPr>
+        <p:style>
+          <a:lnRef idx="2">
+            <a:schemeClr val="accent1">
+              <a:shade val="50000"/>
+            </a:schemeClr>
+          </a:lnRef>
+          <a:fillRef idx="1">
+            <a:schemeClr val="accent1"/>
+          </a:fillRef>
+          <a:effectRef idx="0">
+            <a:schemeClr val="accent1"/>
+          </a:effectRef>
+          <a:fontRef idx="minor">
+            <a:schemeClr val="lt1"/>
+          </a:fontRef>
+        </p:style>
+        <p:txBody>
+          <a:bodyPr rtlCol="0" anchor="ctr"/>
+          <a:lstStyle/>
+          <a:p>
+            <a:pPr algn="ctr"/>
+            <a:endParaRPr lang="en-US"/>
+          </a:p>
+        </p:txBody>
+      </p:sp>
+      <p:sp>
+        <p:nvSpPr>
+          <p:cNvPr id="14" name="Right Triangle 9">
+            <a:extLst>
+              <a:ext uri="{FF2B5EF4-FFF2-40B4-BE49-F238E27FC236}">
+                <a16:creationId xmlns:a16="http://schemas.microsoft.com/office/drawing/2014/main" id="{827DC2C4-B485-428A-BF4A-472D2967F47F}"/>
+              </a:ext>
+              <a:ext uri="{C183D7F6-B498-43B3-948B-1728B52AA6E4}">
+                <adec:decorative xmlns:adec="http://schemas.microsoft.com/office/drawing/2017/decorative" val="1"/>
+              </a:ext>
+            </a:extLst>
+          </p:cNvPr>
+          <p:cNvSpPr>
+            <a:spLocks noGrp="1" noRot="1" noChangeAspect="1" noMove="1" noResize="1" noEditPoints="1" noAdjustHandles="1" noChangeArrowheads="1" noChangeShapeType="1" noTextEdit="1"/>
+          </p:cNvSpPr>
+          <p:nvPr>
+            <p:extLst>
+              <p:ext uri="{386F3935-93C4-4BCD-93E2-E3B085C9AB24}">
+                <p16:designElem xmlns:p16="http://schemas.microsoft.com/office/powerpoint/2015/main" val="1"/>
+              </p:ext>
+            </p:extLst>
+          </p:nvPr>
+        </p:nvSpPr>
+        <p:spPr>
+          <a:xfrm flipH="1">
+            <a:off x="8576720" y="3335867"/>
+            <a:ext cx="3291840" cy="3200400"/>
+          </a:xfrm>
+          <a:prstGeom prst="rtTriangle">
+            <a:avLst/>
+          </a:prstGeom>
+          <a:solidFill>
+            <a:schemeClr val="accent4"/>
+          </a:solidFill>
+          <a:ln>
+            <a:noFill/>
+          </a:ln>
+        </p:spPr>
+        <p:style>
+          <a:lnRef idx="2">
+            <a:schemeClr val="accent1">
+              <a:shade val="50000"/>
+            </a:schemeClr>
+          </a:lnRef>
+          <a:fillRef idx="1">
+            <a:schemeClr val="accent1"/>
+          </a:fillRef>
+          <a:effectRef idx="0">
+            <a:schemeClr val="accent1"/>
+          </a:effectRef>
+          <a:fontRef idx="minor">
+            <a:schemeClr val="lt1"/>
+          </a:fontRef>
+        </p:style>
+        <p:txBody>
+          <a:bodyPr rtlCol="0" anchor="ctr"/>
+          <a:lstStyle/>
+          <a:p>
+            <a:pPr algn="ctr"/>
+            <a:endParaRPr lang="en-US" dirty="0"/>
+          </a:p>
+        </p:txBody>
+      </p:sp>
+      <p:sp>
+        <p:nvSpPr>
+          <p:cNvPr id="12" name="Rectangle 11">
+            <a:extLst>
+              <a:ext uri="{FF2B5EF4-FFF2-40B4-BE49-F238E27FC236}">
+                <a16:creationId xmlns:a16="http://schemas.microsoft.com/office/drawing/2014/main" id="{EE04B5EB-F158-4507-90DD-BD23620C7CC9}"/>
+              </a:ext>
+              <a:ext uri="{C183D7F6-B498-43B3-948B-1728B52AA6E4}">
+                <adec:decorative xmlns:adec="http://schemas.microsoft.com/office/drawing/2017/decorative" val="1"/>
+              </a:ext>
+            </a:extLst>
+          </p:cNvPr>
+          <p:cNvSpPr>
+            <a:spLocks noGrp="1" noRot="1" noChangeAspect="1" noMove="1" noResize="1" noEditPoints="1" noAdjustHandles="1" noChangeArrowheads="1" noChangeShapeType="1" noTextEdit="1"/>
+          </p:cNvSpPr>
+          <p:nvPr>
+            <p:extLst>
+              <p:ext uri="{386F3935-93C4-4BCD-93E2-E3B085C9AB24}">
+                <p16:designElem xmlns:p16="http://schemas.microsoft.com/office/powerpoint/2015/main" val="1"/>
+              </p:ext>
+            </p:extLst>
+          </p:nvPr>
+        </p:nvSpPr>
+        <p:spPr>
+          <a:xfrm>
+            <a:off x="641774" y="623275"/>
+            <a:ext cx="10905053" cy="5607882"/>
+          </a:xfrm>
+          <a:prstGeom prst="rect">
+            <a:avLst/>
+          </a:prstGeom>
+          <a:noFill/>
+          <a:ln w="19050">
+            <a:solidFill>
+              <a:schemeClr val="tx1">
+                <a:lumMod val="75000"/>
+                <a:lumOff val="25000"/>
+              </a:schemeClr>
+            </a:solidFill>
+          </a:ln>
+        </p:spPr>
+        <p:style>
+          <a:lnRef idx="2">
+            <a:schemeClr val="accent1">
+              <a:shade val="50000"/>
+            </a:schemeClr>
+          </a:lnRef>
+          <a:fillRef idx="1">
+            <a:schemeClr val="accent1"/>
+          </a:fillRef>
+          <a:effectRef idx="0">
+            <a:schemeClr val="accent1"/>
+          </a:effectRef>
+          <a:fontRef idx="minor">
+            <a:schemeClr val="lt1"/>
+          </a:fontRef>
+        </p:style>
+        <p:txBody>
+          <a:bodyPr rtlCol="0" anchor="ctr"/>
+          <a:lstStyle/>
+          <a:p>
+            <a:pPr algn="ctr"/>
+            <a:endParaRPr lang="en-US"/>
+          </a:p>
+        </p:txBody>
+      </p:sp>
+      <p:sp>
+        <p:nvSpPr>
+          <p:cNvPr id="2" name="タイトル 1">
+            <a:extLst>
+              <a:ext uri="{FF2B5EF4-FFF2-40B4-BE49-F238E27FC236}">
+                <a16:creationId xmlns:a16="http://schemas.microsoft.com/office/drawing/2014/main" id="{1B4F5396-D9F2-37F4-CDD0-E9D725A6F8CF}"/>
+              </a:ext>
+            </a:extLst>
+          </p:cNvPr>
+          <p:cNvSpPr>
+            <a:spLocks noGrp="1"/>
+          </p:cNvSpPr>
+          <p:nvPr>
+            <p:ph type="title"/>
+          </p:nvPr>
+        </p:nvSpPr>
+        <p:spPr>
+          <a:xfrm>
+            <a:off x="1285241" y="1008993"/>
+            <a:ext cx="9231410" cy="1541167"/>
           </a:xfrm>
         </p:spPr>
         <p:txBody>
-          <a:bodyPr/>
+          <a:bodyPr vert="horz" lIns="91440" tIns="45720" rIns="91440" bIns="45720" rtlCol="0" anchor="b">
+            <a:normAutofit/>
+          </a:bodyPr>
           <a:lstStyle/>
           <a:p>
             <a:r>
-              <a:rPr kumimoji="1" lang="ja-JP" altLang="en-US" dirty="0"/>
-              <a:t>リアルタイムで時間を表示する</a:t>
-            </a:r>
-            <a:endParaRPr kumimoji="1" lang="en-US" altLang="ja-JP" dirty="0"/>
-          </a:p>
-          <a:p>
-            <a:r>
-              <a:rPr kumimoji="1" lang="ja-JP" altLang="en-US" dirty="0"/>
-              <a:t>設定した時間になったらアラームを起動する</a:t>
-            </a:r>
-            <a:endParaRPr kumimoji="1" lang="en-US" altLang="ja-JP" dirty="0"/>
-          </a:p>
-          <a:p>
-            <a:r>
-              <a:rPr lang="ja-JP" altLang="en-US" dirty="0"/>
-              <a:t>メモを記入して登録したり、削除する</a:t>
-            </a:r>
-            <a:endParaRPr lang="en-US" altLang="ja-JP" dirty="0"/>
-          </a:p>
-          <a:p>
-            <a:r>
-              <a:rPr kumimoji="1" lang="ja-JP" altLang="en-US" dirty="0"/>
-              <a:t>ストップウォッチの基本的な動作</a:t>
-            </a:r>
-            <a:endParaRPr kumimoji="1" lang="en-US" altLang="ja-JP" dirty="0"/>
-          </a:p>
-          <a:p>
-            <a:endParaRPr kumimoji="1" lang="en-US" altLang="ja-JP" dirty="0"/>
-          </a:p>
+              <a:rPr kumimoji="1" lang="ja-JP" altLang="en-US" sz="6600" b="1" kern="1200" dirty="0">
+                <a:solidFill>
+                  <a:schemeClr val="tx1"/>
+                </a:solidFill>
+                <a:latin typeface="+mj-lt"/>
+                <a:ea typeface="+mj-ea"/>
+                <a:cs typeface="+mj-cs"/>
+              </a:rPr>
+              <a:t>概要</a:t>
+            </a:r>
+          </a:p>
+        </p:txBody>
+      </p:sp>
+      <p:sp>
+        <p:nvSpPr>
+          <p:cNvPr id="3" name="コンテンツ プレースホルダー 2">
+            <a:extLst>
+              <a:ext uri="{FF2B5EF4-FFF2-40B4-BE49-F238E27FC236}">
+                <a16:creationId xmlns:a16="http://schemas.microsoft.com/office/drawing/2014/main" id="{CDF9A3B8-BDC3-1821-1100-5900775837CE}"/>
+              </a:ext>
+            </a:extLst>
+          </p:cNvPr>
+          <p:cNvSpPr>
+            <a:spLocks noGrp="1"/>
+          </p:cNvSpPr>
+          <p:nvPr>
+            <p:ph idx="1"/>
+          </p:nvPr>
+        </p:nvSpPr>
+        <p:spPr>
+          <a:xfrm>
+            <a:off x="2453641" y="2995184"/>
+            <a:ext cx="7132335" cy="1312657"/>
+          </a:xfrm>
+        </p:spPr>
+        <p:txBody>
+          <a:bodyPr vert="horz" lIns="91440" tIns="45720" rIns="91440" bIns="45720" rtlCol="0" anchor="t">
+            <a:normAutofit/>
+          </a:bodyPr>
+          <a:lstStyle/>
           <a:p>
             <a:pPr marL="0" indent="0">
               <a:buNone/>
             </a:pPr>
-            <a:endParaRPr kumimoji="1" lang="ja-JP" altLang="en-US" dirty="0"/>
+            <a:r>
+              <a:rPr lang="ja-JP" altLang="en-US" sz="2400" kern="1200" dirty="0">
+                <a:solidFill>
+                  <a:schemeClr val="tx1"/>
+                </a:solidFill>
+                <a:latin typeface="+mn-lt"/>
+                <a:ea typeface="+mn-ea"/>
+                <a:cs typeface="+mn-cs"/>
+              </a:rPr>
+              <a:t>最近、スマホで時計アプリを</a:t>
+            </a:r>
+            <a:r>
+              <a:rPr lang="ja-JP" altLang="en-US" sz="2400" dirty="0"/>
+              <a:t>使用する</a:t>
+            </a:r>
+            <a:r>
+              <a:rPr lang="ja-JP" altLang="en-US" sz="2400" kern="1200" dirty="0">
+                <a:solidFill>
+                  <a:schemeClr val="tx1"/>
+                </a:solidFill>
+                <a:latin typeface="+mn-lt"/>
+                <a:ea typeface="+mn-ea"/>
+                <a:cs typeface="+mn-cs"/>
+              </a:rPr>
+              <a:t>ことが多くなったので自分でも</a:t>
+            </a:r>
+            <a:r>
+              <a:rPr lang="en-US" altLang="ja-JP" sz="2400" kern="1200" dirty="0">
+                <a:solidFill>
+                  <a:schemeClr val="tx1"/>
+                </a:solidFill>
+                <a:latin typeface="+mn-lt"/>
+                <a:ea typeface="+mn-ea"/>
+                <a:cs typeface="+mn-cs"/>
+              </a:rPr>
+              <a:t>Flutter</a:t>
+            </a:r>
+            <a:r>
+              <a:rPr lang="ja-JP" altLang="en-US" sz="2400" kern="1200" dirty="0">
+                <a:solidFill>
+                  <a:schemeClr val="tx1"/>
+                </a:solidFill>
+                <a:latin typeface="+mn-lt"/>
+                <a:ea typeface="+mn-ea"/>
+                <a:cs typeface="+mn-cs"/>
+              </a:rPr>
+              <a:t>で時計アプリを作成しようと思った</a:t>
+            </a:r>
+            <a:endParaRPr kumimoji="1" lang="en-US" altLang="ja-JP" sz="2400" kern="1200" dirty="0">
+              <a:solidFill>
+                <a:schemeClr val="tx1"/>
+              </a:solidFill>
+              <a:latin typeface="+mn-lt"/>
+              <a:ea typeface="+mn-ea"/>
+              <a:cs typeface="+mn-cs"/>
+            </a:endParaRPr>
           </a:p>
         </p:txBody>
       </p:sp>
     </p:spTree>
     <p:extLst>
       <p:ext uri="{BB962C8B-B14F-4D97-AF65-F5344CB8AC3E}">
-        <p14:creationId xmlns:p14="http://schemas.microsoft.com/office/powerpoint/2010/main" val="757145541"/>
+        <p14:creationId xmlns:p14="http://schemas.microsoft.com/office/powerpoint/2010/main" val="1157624761"/>
       </p:ext>
     </p:extLst>
   </p:cSld>
@@ -6989,6 +7226,14 @@
 <file path=ppt/slides/slide4.xml><?xml version="1.0" encoding="utf-8"?>
 <p:sld xmlns:a="http://schemas.openxmlformats.org/drawingml/2006/main" xmlns:r="http://schemas.openxmlformats.org/officeDocument/2006/relationships" xmlns:p="http://schemas.openxmlformats.org/presentationml/2006/main">
   <p:cSld>
+    <p:bg>
+      <p:bgPr>
+        <a:solidFill>
+          <a:schemeClr val="bg1"/>
+        </a:solidFill>
+        <a:effectLst/>
+      </p:bgPr>
+    </p:bg>
     <p:spTree>
       <p:nvGrpSpPr>
         <p:cNvPr id="1" name=""/>
@@ -7003,83 +7248,610 @@
           <a:chExt cx="0" cy="0"/>
         </a:xfrm>
       </p:grpSpPr>
-      <p:sp>
-        <p:nvSpPr>
-          <p:cNvPr id="2" name="タイトル 1">
-            <a:extLst>
-              <a:ext uri="{FF2B5EF4-FFF2-40B4-BE49-F238E27FC236}">
-                <a16:creationId xmlns:a16="http://schemas.microsoft.com/office/drawing/2014/main" id="{620CCA1C-E413-C3F5-D6C1-49B41E253E16}"/>
-              </a:ext>
-            </a:extLst>
-          </p:cNvPr>
-          <p:cNvSpPr>
-            <a:spLocks noGrp="1"/>
-          </p:cNvSpPr>
-          <p:nvPr>
-            <p:ph type="title"/>
-          </p:nvPr>
-        </p:nvSpPr>
-        <p:spPr/>
-        <p:txBody>
-          <a:bodyPr/>
-          <a:lstStyle/>
-          <a:p>
-            <a:r>
-              <a:rPr lang="ja-JP" altLang="en-US" b="1" dirty="0"/>
-              <a:t>実装した機能</a:t>
-            </a:r>
-            <a:endParaRPr kumimoji="1" lang="ja-JP" altLang="en-US" dirty="0"/>
-          </a:p>
-        </p:txBody>
-      </p:sp>
-      <p:sp>
-        <p:nvSpPr>
-          <p:cNvPr id="3" name="コンテンツ プレースホルダー 2">
-            <a:extLst>
-              <a:ext uri="{FF2B5EF4-FFF2-40B4-BE49-F238E27FC236}">
-                <a16:creationId xmlns:a16="http://schemas.microsoft.com/office/drawing/2014/main" id="{9162FB0C-04E3-F2A7-EAF6-DE5D3933DCCE}"/>
-              </a:ext>
-            </a:extLst>
-          </p:cNvPr>
-          <p:cNvSpPr>
-            <a:spLocks noGrp="1"/>
-          </p:cNvSpPr>
-          <p:nvPr>
-            <p:ph idx="1"/>
+      <p:sp useBgFill="1">
+        <p:nvSpPr>
+          <p:cNvPr id="8" name="Rectangle 7">
+            <a:extLst>
+              <a:ext uri="{FF2B5EF4-FFF2-40B4-BE49-F238E27FC236}">
+                <a16:creationId xmlns:a16="http://schemas.microsoft.com/office/drawing/2014/main" id="{081EA652-8C6A-4E69-BEB9-170809474553}"/>
+              </a:ext>
+              <a:ext uri="{C183D7F6-B498-43B3-948B-1728B52AA6E4}">
+                <adec:decorative xmlns:adec="http://schemas.microsoft.com/office/drawing/2017/decorative" val="1"/>
+              </a:ext>
+            </a:extLst>
+          </p:cNvPr>
+          <p:cNvSpPr>
+            <a:spLocks noGrp="1" noRot="1" noChangeAspect="1" noMove="1" noResize="1" noEditPoints="1" noAdjustHandles="1" noChangeArrowheads="1" noChangeShapeType="1" noTextEdit="1"/>
+          </p:cNvSpPr>
+          <p:nvPr>
+            <p:extLst>
+              <p:ext uri="{386F3935-93C4-4BCD-93E2-E3B085C9AB24}">
+                <p16:designElem xmlns:p16="http://schemas.microsoft.com/office/powerpoint/2015/main" val="1"/>
+              </p:ext>
+            </p:extLst>
           </p:nvPr>
         </p:nvSpPr>
         <p:spPr>
           <a:xfrm>
-            <a:off x="838200" y="2230028"/>
-            <a:ext cx="10515600" cy="4351338"/>
+            <a:off x="0" y="0"/>
+            <a:ext cx="12192000" cy="6858000"/>
+          </a:xfrm>
+          <a:prstGeom prst="rect">
+            <a:avLst/>
+          </a:prstGeom>
+          <a:ln>
+            <a:noFill/>
+          </a:ln>
+        </p:spPr>
+        <p:style>
+          <a:lnRef idx="2">
+            <a:schemeClr val="accent1">
+              <a:shade val="50000"/>
+            </a:schemeClr>
+          </a:lnRef>
+          <a:fillRef idx="1">
+            <a:schemeClr val="accent1"/>
+          </a:fillRef>
+          <a:effectRef idx="0">
+            <a:schemeClr val="accent1"/>
+          </a:effectRef>
+          <a:fontRef idx="minor">
+            <a:schemeClr val="lt1"/>
+          </a:fontRef>
+        </p:style>
+        <p:txBody>
+          <a:bodyPr rtlCol="0" anchor="ctr"/>
+          <a:lstStyle/>
+          <a:p>
+            <a:pPr algn="ctr"/>
+            <a:endParaRPr lang="en-US"/>
+          </a:p>
+        </p:txBody>
+      </p:sp>
+      <p:sp>
+        <p:nvSpPr>
+          <p:cNvPr id="10" name="Right Triangle 9">
+            <a:extLst>
+              <a:ext uri="{FF2B5EF4-FFF2-40B4-BE49-F238E27FC236}">
+                <a16:creationId xmlns:a16="http://schemas.microsoft.com/office/drawing/2014/main" id="{5298780A-33B9-4EA2-8F67-DE68AD62841B}"/>
+              </a:ext>
+              <a:ext uri="{C183D7F6-B498-43B3-948B-1728B52AA6E4}">
+                <adec:decorative xmlns:adec="http://schemas.microsoft.com/office/drawing/2017/decorative" val="1"/>
+              </a:ext>
+            </a:extLst>
+          </p:cNvPr>
+          <p:cNvSpPr>
+            <a:spLocks noGrp="1" noRot="1" noChangeAspect="1" noMove="1" noResize="1" noEditPoints="1" noAdjustHandles="1" noChangeArrowheads="1" noChangeShapeType="1" noTextEdit="1"/>
+          </p:cNvSpPr>
+          <p:nvPr>
+            <p:extLst>
+              <p:ext uri="{386F3935-93C4-4BCD-93E2-E3B085C9AB24}">
+                <p16:designElem xmlns:p16="http://schemas.microsoft.com/office/powerpoint/2015/main" val="1"/>
+              </p:ext>
+            </p:extLst>
+          </p:nvPr>
+        </p:nvSpPr>
+        <p:spPr>
+          <a:xfrm flipH="1">
+            <a:off x="8576720" y="3335867"/>
+            <a:ext cx="3291840" cy="3200400"/>
+          </a:xfrm>
+          <a:prstGeom prst="rtTriangle">
+            <a:avLst/>
+          </a:prstGeom>
+          <a:solidFill>
+            <a:schemeClr val="accent4"/>
+          </a:solidFill>
+          <a:ln>
+            <a:noFill/>
+          </a:ln>
+        </p:spPr>
+        <p:style>
+          <a:lnRef idx="2">
+            <a:schemeClr val="accent1">
+              <a:shade val="50000"/>
+            </a:schemeClr>
+          </a:lnRef>
+          <a:fillRef idx="1">
+            <a:schemeClr val="accent1"/>
+          </a:fillRef>
+          <a:effectRef idx="0">
+            <a:schemeClr val="accent1"/>
+          </a:effectRef>
+          <a:fontRef idx="minor">
+            <a:schemeClr val="lt1"/>
+          </a:fontRef>
+        </p:style>
+        <p:txBody>
+          <a:bodyPr rtlCol="0" anchor="ctr"/>
+          <a:lstStyle/>
+          <a:p>
+            <a:pPr algn="ctr"/>
+            <a:endParaRPr lang="en-US" dirty="0"/>
+          </a:p>
+        </p:txBody>
+      </p:sp>
+      <p:sp>
+        <p:nvSpPr>
+          <p:cNvPr id="12" name="Rectangle 11">
+            <a:extLst>
+              <a:ext uri="{FF2B5EF4-FFF2-40B4-BE49-F238E27FC236}">
+                <a16:creationId xmlns:a16="http://schemas.microsoft.com/office/drawing/2014/main" id="{7F488E8B-4E1E-4402-8935-D4E6C02615C7}"/>
+              </a:ext>
+              <a:ext uri="{C183D7F6-B498-43B3-948B-1728B52AA6E4}">
+                <adec:decorative xmlns:adec="http://schemas.microsoft.com/office/drawing/2017/decorative" val="1"/>
+              </a:ext>
+            </a:extLst>
+          </p:cNvPr>
+          <p:cNvSpPr>
+            <a:spLocks noGrp="1" noRot="1" noChangeAspect="1" noMove="1" noResize="1" noEditPoints="1" noAdjustHandles="1" noChangeArrowheads="1" noChangeShapeType="1" noTextEdit="1"/>
+          </p:cNvSpPr>
+          <p:nvPr>
+            <p:extLst>
+              <p:ext uri="{386F3935-93C4-4BCD-93E2-E3B085C9AB24}">
+                <p16:designElem xmlns:p16="http://schemas.microsoft.com/office/powerpoint/2015/main" val="1"/>
+              </p:ext>
+            </p:extLst>
+          </p:nvPr>
+        </p:nvSpPr>
+        <p:spPr>
+          <a:xfrm>
+            <a:off x="641774" y="623275"/>
+            <a:ext cx="10905053" cy="5607882"/>
+          </a:xfrm>
+          <a:prstGeom prst="rect">
+            <a:avLst/>
+          </a:prstGeom>
+          <a:noFill/>
+          <a:ln w="19050">
+            <a:solidFill>
+              <a:schemeClr val="tx1">
+                <a:lumMod val="75000"/>
+                <a:lumOff val="25000"/>
+              </a:schemeClr>
+            </a:solidFill>
+          </a:ln>
+        </p:spPr>
+        <p:style>
+          <a:lnRef idx="2">
+            <a:schemeClr val="accent1">
+              <a:shade val="50000"/>
+            </a:schemeClr>
+          </a:lnRef>
+          <a:fillRef idx="1">
+            <a:schemeClr val="accent1"/>
+          </a:fillRef>
+          <a:effectRef idx="0">
+            <a:schemeClr val="accent1"/>
+          </a:effectRef>
+          <a:fontRef idx="minor">
+            <a:schemeClr val="lt1"/>
+          </a:fontRef>
+        </p:style>
+        <p:txBody>
+          <a:bodyPr rtlCol="0" anchor="ctr"/>
+          <a:lstStyle/>
+          <a:p>
+            <a:pPr algn="ctr"/>
+            <a:endParaRPr lang="en-US"/>
+          </a:p>
+        </p:txBody>
+      </p:sp>
+      <p:sp>
+        <p:nvSpPr>
+          <p:cNvPr id="2" name="タイトル 1">
+            <a:extLst>
+              <a:ext uri="{FF2B5EF4-FFF2-40B4-BE49-F238E27FC236}">
+                <a16:creationId xmlns:a16="http://schemas.microsoft.com/office/drawing/2014/main" id="{D8EDD3F7-DEFD-4D2B-9D23-0A19B1057BD0}"/>
+              </a:ext>
+            </a:extLst>
+          </p:cNvPr>
+          <p:cNvSpPr>
+            <a:spLocks noGrp="1"/>
+          </p:cNvSpPr>
+          <p:nvPr>
+            <p:ph type="title"/>
+          </p:nvPr>
+        </p:nvSpPr>
+        <p:spPr>
+          <a:xfrm>
+            <a:off x="1285240" y="1050595"/>
+            <a:ext cx="8074815" cy="1618489"/>
           </a:xfrm>
         </p:spPr>
         <p:txBody>
-          <a:bodyPr/>
+          <a:bodyPr anchor="ctr">
+            <a:normAutofit/>
+          </a:bodyPr>
           <a:lstStyle/>
           <a:p>
             <a:r>
-              <a:rPr kumimoji="1" lang="ja-JP" altLang="en-US" dirty="0"/>
+              <a:rPr lang="ja-JP" altLang="en-US" sz="7200" b="1" dirty="0"/>
+              <a:t>実装機能</a:t>
+            </a:r>
+            <a:endParaRPr kumimoji="1" lang="ja-JP" altLang="en-US" sz="7200" b="1" dirty="0"/>
+          </a:p>
+        </p:txBody>
+      </p:sp>
+      <p:sp>
+        <p:nvSpPr>
+          <p:cNvPr id="3" name="コンテンツ プレースホルダー 2">
+            <a:extLst>
+              <a:ext uri="{FF2B5EF4-FFF2-40B4-BE49-F238E27FC236}">
+                <a16:creationId xmlns:a16="http://schemas.microsoft.com/office/drawing/2014/main" id="{37253B3B-24ED-9BD8-56E8-B4BAEDC2182F}"/>
+              </a:ext>
+            </a:extLst>
+          </p:cNvPr>
+          <p:cNvSpPr>
+            <a:spLocks noGrp="1"/>
+          </p:cNvSpPr>
+          <p:nvPr>
+            <p:ph idx="1"/>
+          </p:nvPr>
+        </p:nvSpPr>
+        <p:spPr>
+          <a:xfrm>
+            <a:off x="1285240" y="2969469"/>
+            <a:ext cx="8074815" cy="2800395"/>
+          </a:xfrm>
+        </p:spPr>
+        <p:txBody>
+          <a:bodyPr anchor="t">
+            <a:normAutofit/>
+          </a:bodyPr>
+          <a:lstStyle/>
+          <a:p>
+            <a:r>
+              <a:rPr kumimoji="1" lang="ja-JP" altLang="en-US" sz="2400"/>
               <a:t>リアルタイムで時間を表示する</a:t>
             </a:r>
-            <a:endParaRPr kumimoji="1" lang="en-US" altLang="ja-JP" dirty="0"/>
-          </a:p>
-          <a:p>
-            <a:r>
-              <a:rPr lang="ja-JP" altLang="en-US" dirty="0"/>
+            <a:endParaRPr kumimoji="1" lang="en-US" altLang="ja-JP" sz="2400"/>
+          </a:p>
+          <a:p>
+            <a:r>
+              <a:rPr kumimoji="1" lang="ja-JP" altLang="en-US" sz="2400"/>
+              <a:t>設定した時間になったらアラームを起動する</a:t>
+            </a:r>
+            <a:endParaRPr kumimoji="1" lang="en-US" altLang="ja-JP" sz="2400"/>
+          </a:p>
+          <a:p>
+            <a:r>
+              <a:rPr lang="ja-JP" altLang="en-US" sz="2400"/>
               <a:t>メモを記入して登録したり、削除する</a:t>
             </a:r>
-            <a:endParaRPr lang="en-US" altLang="ja-JP" dirty="0"/>
-          </a:p>
-          <a:p>
-            <a:r>
-              <a:rPr kumimoji="1" lang="ja-JP" altLang="en-US" dirty="0"/>
+            <a:endParaRPr lang="en-US" altLang="ja-JP" sz="2400"/>
+          </a:p>
+          <a:p>
+            <a:r>
+              <a:rPr kumimoji="1" lang="ja-JP" altLang="en-US" sz="2400"/>
               <a:t>ストップウォッチの基本的な動作</a:t>
             </a:r>
-            <a:endParaRPr kumimoji="1" lang="en-US" altLang="ja-JP" dirty="0"/>
-          </a:p>
-          <a:p>
-            <a:endParaRPr kumimoji="1" lang="ja-JP" altLang="en-US" dirty="0"/>
+            <a:endParaRPr kumimoji="1" lang="en-US" altLang="ja-JP" sz="2400"/>
+          </a:p>
+          <a:p>
+            <a:endParaRPr kumimoji="1" lang="en-US" altLang="ja-JP" sz="2400"/>
+          </a:p>
+          <a:p>
+            <a:pPr marL="0" indent="0">
+              <a:buNone/>
+            </a:pPr>
+            <a:endParaRPr kumimoji="1" lang="ja-JP" altLang="en-US" sz="2400"/>
+          </a:p>
+        </p:txBody>
+      </p:sp>
+    </p:spTree>
+    <p:extLst>
+      <p:ext uri="{BB962C8B-B14F-4D97-AF65-F5344CB8AC3E}">
+        <p14:creationId xmlns:p14="http://schemas.microsoft.com/office/powerpoint/2010/main" val="757145541"/>
+      </p:ext>
+    </p:extLst>
+  </p:cSld>
+  <p:clrMapOvr>
+    <a:masterClrMapping/>
+  </p:clrMapOvr>
+</p:sld>
+</file>
+
+<file path=ppt/slides/slide5.xml><?xml version="1.0" encoding="utf-8"?>
+<p:sld xmlns:a="http://schemas.openxmlformats.org/drawingml/2006/main" xmlns:r="http://schemas.openxmlformats.org/officeDocument/2006/relationships" xmlns:p="http://schemas.openxmlformats.org/presentationml/2006/main">
+  <p:cSld>
+    <p:bg>
+      <p:bgPr>
+        <a:solidFill>
+          <a:schemeClr val="bg1"/>
+        </a:solidFill>
+        <a:effectLst/>
+      </p:bgPr>
+    </p:bg>
+    <p:spTree>
+      <p:nvGrpSpPr>
+        <p:cNvPr id="1" name=""/>
+        <p:cNvGrpSpPr/>
+        <p:nvPr/>
+      </p:nvGrpSpPr>
+      <p:grpSpPr>
+        <a:xfrm>
+          <a:off x="0" y="0"/>
+          <a:ext cx="0" cy="0"/>
+          <a:chOff x="0" y="0"/>
+          <a:chExt cx="0" cy="0"/>
+        </a:xfrm>
+      </p:grpSpPr>
+      <p:sp useBgFill="1">
+        <p:nvSpPr>
+          <p:cNvPr id="8" name="Rectangle 7">
+            <a:extLst>
+              <a:ext uri="{FF2B5EF4-FFF2-40B4-BE49-F238E27FC236}">
+                <a16:creationId xmlns:a16="http://schemas.microsoft.com/office/drawing/2014/main" id="{081EA652-8C6A-4E69-BEB9-170809474553}"/>
+              </a:ext>
+              <a:ext uri="{C183D7F6-B498-43B3-948B-1728B52AA6E4}">
+                <adec:decorative xmlns:adec="http://schemas.microsoft.com/office/drawing/2017/decorative" val="1"/>
+              </a:ext>
+            </a:extLst>
+          </p:cNvPr>
+          <p:cNvSpPr>
+            <a:spLocks noGrp="1" noRot="1" noChangeAspect="1" noMove="1" noResize="1" noEditPoints="1" noAdjustHandles="1" noChangeArrowheads="1" noChangeShapeType="1" noTextEdit="1"/>
+          </p:cNvSpPr>
+          <p:nvPr>
+            <p:extLst>
+              <p:ext uri="{386F3935-93C4-4BCD-93E2-E3B085C9AB24}">
+                <p16:designElem xmlns:p16="http://schemas.microsoft.com/office/powerpoint/2015/main" val="1"/>
+              </p:ext>
+            </p:extLst>
+          </p:nvPr>
+        </p:nvSpPr>
+        <p:spPr>
+          <a:xfrm>
+            <a:off x="0" y="0"/>
+            <a:ext cx="12192000" cy="6858000"/>
+          </a:xfrm>
+          <a:prstGeom prst="rect">
+            <a:avLst/>
+          </a:prstGeom>
+          <a:ln>
+            <a:noFill/>
+          </a:ln>
+        </p:spPr>
+        <p:style>
+          <a:lnRef idx="2">
+            <a:schemeClr val="accent1">
+              <a:shade val="50000"/>
+            </a:schemeClr>
+          </a:lnRef>
+          <a:fillRef idx="1">
+            <a:schemeClr val="accent1"/>
+          </a:fillRef>
+          <a:effectRef idx="0">
+            <a:schemeClr val="accent1"/>
+          </a:effectRef>
+          <a:fontRef idx="minor">
+            <a:schemeClr val="lt1"/>
+          </a:fontRef>
+        </p:style>
+        <p:txBody>
+          <a:bodyPr rtlCol="0" anchor="ctr"/>
+          <a:lstStyle/>
+          <a:p>
+            <a:pPr algn="ctr"/>
+            <a:endParaRPr lang="en-US"/>
+          </a:p>
+        </p:txBody>
+      </p:sp>
+      <p:sp>
+        <p:nvSpPr>
+          <p:cNvPr id="10" name="Right Triangle 9">
+            <a:extLst>
+              <a:ext uri="{FF2B5EF4-FFF2-40B4-BE49-F238E27FC236}">
+                <a16:creationId xmlns:a16="http://schemas.microsoft.com/office/drawing/2014/main" id="{5298780A-33B9-4EA2-8F67-DE68AD62841B}"/>
+              </a:ext>
+              <a:ext uri="{C183D7F6-B498-43B3-948B-1728B52AA6E4}">
+                <adec:decorative xmlns:adec="http://schemas.microsoft.com/office/drawing/2017/decorative" val="1"/>
+              </a:ext>
+            </a:extLst>
+          </p:cNvPr>
+          <p:cNvSpPr>
+            <a:spLocks noGrp="1" noRot="1" noChangeAspect="1" noMove="1" noResize="1" noEditPoints="1" noAdjustHandles="1" noChangeArrowheads="1" noChangeShapeType="1" noTextEdit="1"/>
+          </p:cNvSpPr>
+          <p:nvPr>
+            <p:extLst>
+              <p:ext uri="{386F3935-93C4-4BCD-93E2-E3B085C9AB24}">
+                <p16:designElem xmlns:p16="http://schemas.microsoft.com/office/powerpoint/2015/main" val="1"/>
+              </p:ext>
+            </p:extLst>
+          </p:nvPr>
+        </p:nvSpPr>
+        <p:spPr>
+          <a:xfrm flipH="1">
+            <a:off x="8576720" y="3335867"/>
+            <a:ext cx="3291840" cy="3200400"/>
+          </a:xfrm>
+          <a:prstGeom prst="rtTriangle">
+            <a:avLst/>
+          </a:prstGeom>
+          <a:solidFill>
+            <a:schemeClr val="accent4"/>
+          </a:solidFill>
+          <a:ln>
+            <a:noFill/>
+          </a:ln>
+        </p:spPr>
+        <p:style>
+          <a:lnRef idx="2">
+            <a:schemeClr val="accent1">
+              <a:shade val="50000"/>
+            </a:schemeClr>
+          </a:lnRef>
+          <a:fillRef idx="1">
+            <a:schemeClr val="accent1"/>
+          </a:fillRef>
+          <a:effectRef idx="0">
+            <a:schemeClr val="accent1"/>
+          </a:effectRef>
+          <a:fontRef idx="minor">
+            <a:schemeClr val="lt1"/>
+          </a:fontRef>
+        </p:style>
+        <p:txBody>
+          <a:bodyPr rtlCol="0" anchor="ctr"/>
+          <a:lstStyle/>
+          <a:p>
+            <a:pPr algn="ctr"/>
+            <a:endParaRPr lang="en-US" dirty="0"/>
+          </a:p>
+        </p:txBody>
+      </p:sp>
+      <p:sp>
+        <p:nvSpPr>
+          <p:cNvPr id="12" name="Rectangle 11">
+            <a:extLst>
+              <a:ext uri="{FF2B5EF4-FFF2-40B4-BE49-F238E27FC236}">
+                <a16:creationId xmlns:a16="http://schemas.microsoft.com/office/drawing/2014/main" id="{7F488E8B-4E1E-4402-8935-D4E6C02615C7}"/>
+              </a:ext>
+              <a:ext uri="{C183D7F6-B498-43B3-948B-1728B52AA6E4}">
+                <adec:decorative xmlns:adec="http://schemas.microsoft.com/office/drawing/2017/decorative" val="1"/>
+              </a:ext>
+            </a:extLst>
+          </p:cNvPr>
+          <p:cNvSpPr>
+            <a:spLocks noGrp="1" noRot="1" noChangeAspect="1" noMove="1" noResize="1" noEditPoints="1" noAdjustHandles="1" noChangeArrowheads="1" noChangeShapeType="1" noTextEdit="1"/>
+          </p:cNvSpPr>
+          <p:nvPr>
+            <p:extLst>
+              <p:ext uri="{386F3935-93C4-4BCD-93E2-E3B085C9AB24}">
+                <p16:designElem xmlns:p16="http://schemas.microsoft.com/office/powerpoint/2015/main" val="1"/>
+              </p:ext>
+            </p:extLst>
+          </p:nvPr>
+        </p:nvSpPr>
+        <p:spPr>
+          <a:xfrm>
+            <a:off x="641774" y="623275"/>
+            <a:ext cx="10905053" cy="5607882"/>
+          </a:xfrm>
+          <a:prstGeom prst="rect">
+            <a:avLst/>
+          </a:prstGeom>
+          <a:noFill/>
+          <a:ln w="19050">
+            <a:solidFill>
+              <a:schemeClr val="tx1">
+                <a:lumMod val="75000"/>
+                <a:lumOff val="25000"/>
+              </a:schemeClr>
+            </a:solidFill>
+          </a:ln>
+        </p:spPr>
+        <p:style>
+          <a:lnRef idx="2">
+            <a:schemeClr val="accent1">
+              <a:shade val="50000"/>
+            </a:schemeClr>
+          </a:lnRef>
+          <a:fillRef idx="1">
+            <a:schemeClr val="accent1"/>
+          </a:fillRef>
+          <a:effectRef idx="0">
+            <a:schemeClr val="accent1"/>
+          </a:effectRef>
+          <a:fontRef idx="minor">
+            <a:schemeClr val="lt1"/>
+          </a:fontRef>
+        </p:style>
+        <p:txBody>
+          <a:bodyPr rtlCol="0" anchor="ctr"/>
+          <a:lstStyle/>
+          <a:p>
+            <a:pPr algn="ctr"/>
+            <a:endParaRPr lang="en-US"/>
+          </a:p>
+        </p:txBody>
+      </p:sp>
+      <p:sp>
+        <p:nvSpPr>
+          <p:cNvPr id="2" name="タイトル 1">
+            <a:extLst>
+              <a:ext uri="{FF2B5EF4-FFF2-40B4-BE49-F238E27FC236}">
+                <a16:creationId xmlns:a16="http://schemas.microsoft.com/office/drawing/2014/main" id="{620CCA1C-E413-C3F5-D6C1-49B41E253E16}"/>
+              </a:ext>
+            </a:extLst>
+          </p:cNvPr>
+          <p:cNvSpPr>
+            <a:spLocks noGrp="1"/>
+          </p:cNvSpPr>
+          <p:nvPr>
+            <p:ph type="title"/>
+          </p:nvPr>
+        </p:nvSpPr>
+        <p:spPr>
+          <a:xfrm>
+            <a:off x="1285240" y="1050595"/>
+            <a:ext cx="8074815" cy="1618489"/>
+          </a:xfrm>
+        </p:spPr>
+        <p:txBody>
+          <a:bodyPr anchor="ctr">
+            <a:normAutofit/>
+          </a:bodyPr>
+          <a:lstStyle/>
+          <a:p>
+            <a:r>
+              <a:rPr lang="ja-JP" altLang="en-US" sz="7200" b="1"/>
+              <a:t>実装した機能</a:t>
+            </a:r>
+            <a:endParaRPr kumimoji="1" lang="ja-JP" altLang="en-US" sz="7200"/>
+          </a:p>
+        </p:txBody>
+      </p:sp>
+      <p:sp>
+        <p:nvSpPr>
+          <p:cNvPr id="3" name="コンテンツ プレースホルダー 2">
+            <a:extLst>
+              <a:ext uri="{FF2B5EF4-FFF2-40B4-BE49-F238E27FC236}">
+                <a16:creationId xmlns:a16="http://schemas.microsoft.com/office/drawing/2014/main" id="{9162FB0C-04E3-F2A7-EAF6-DE5D3933DCCE}"/>
+              </a:ext>
+            </a:extLst>
+          </p:cNvPr>
+          <p:cNvSpPr>
+            <a:spLocks noGrp="1"/>
+          </p:cNvSpPr>
+          <p:nvPr>
+            <p:ph idx="1"/>
+          </p:nvPr>
+        </p:nvSpPr>
+        <p:spPr>
+          <a:xfrm>
+            <a:off x="1285240" y="2969469"/>
+            <a:ext cx="8074815" cy="2800395"/>
+          </a:xfrm>
+        </p:spPr>
+        <p:txBody>
+          <a:bodyPr anchor="t">
+            <a:normAutofit/>
+          </a:bodyPr>
+          <a:lstStyle/>
+          <a:p>
+            <a:r>
+              <a:rPr kumimoji="1" lang="ja-JP" altLang="en-US" sz="2400"/>
+              <a:t>リアルタイムで時間を表示する</a:t>
+            </a:r>
+            <a:endParaRPr kumimoji="1" lang="en-US" altLang="ja-JP" sz="2400"/>
+          </a:p>
+          <a:p>
+            <a:r>
+              <a:rPr lang="ja-JP" altLang="en-US" sz="2400"/>
+              <a:t>メモを記入して登録したり、削除する</a:t>
+            </a:r>
+            <a:endParaRPr lang="en-US" altLang="ja-JP" sz="2400"/>
+          </a:p>
+          <a:p>
+            <a:r>
+              <a:rPr kumimoji="1" lang="ja-JP" altLang="en-US" sz="2400"/>
+              <a:t>ストップウォッチの基本的な動作</a:t>
+            </a:r>
+            <a:endParaRPr kumimoji="1" lang="en-US" altLang="ja-JP" sz="2400"/>
+          </a:p>
+          <a:p>
+            <a:endParaRPr kumimoji="1" lang="ja-JP" altLang="en-US" sz="2400"/>
           </a:p>
         </p:txBody>
       </p:sp>
@@ -7096,7 +7868,7 @@
 </p:sld>
 </file>
 
-<file path=ppt/slides/slide5.xml><?xml version="1.0" encoding="utf-8"?>
+<file path=ppt/slides/slide6.xml><?xml version="1.0" encoding="utf-8"?>
 <p:sld xmlns:a="http://schemas.openxmlformats.org/drawingml/2006/main" xmlns:r="http://schemas.openxmlformats.org/officeDocument/2006/relationships" xmlns:p="http://schemas.openxmlformats.org/presentationml/2006/main">
   <p:cSld>
     <p:bg>
@@ -7348,9 +8120,17 @@
 </p:sld>
 </file>
 
-<file path=ppt/slides/slide6.xml><?xml version="1.0" encoding="utf-8"?>
+<file path=ppt/slides/slide7.xml><?xml version="1.0" encoding="utf-8"?>
 <p:sld xmlns:a="http://schemas.openxmlformats.org/drawingml/2006/main" xmlns:r="http://schemas.openxmlformats.org/officeDocument/2006/relationships" xmlns:p="http://schemas.openxmlformats.org/presentationml/2006/main">
   <p:cSld>
+    <p:bg>
+      <p:bgPr>
+        <a:solidFill>
+          <a:schemeClr val="bg1"/>
+        </a:solidFill>
+        <a:effectLst/>
+      </p:bgPr>
+    </p:bg>
     <p:spTree>
       <p:nvGrpSpPr>
         <p:cNvPr id="1" name=""/>
@@ -7365,6 +8145,227 @@
           <a:chExt cx="0" cy="0"/>
         </a:xfrm>
       </p:grpSpPr>
+      <p:sp useBgFill="1">
+        <p:nvSpPr>
+          <p:cNvPr id="9" name="Slide Background">
+            <a:extLst>
+              <a:ext uri="{FF2B5EF4-FFF2-40B4-BE49-F238E27FC236}">
+                <a16:creationId xmlns:a16="http://schemas.microsoft.com/office/drawing/2014/main" id="{C0763A76-9F1C-4FC5-82B7-DD475DA461B2}"/>
+              </a:ext>
+              <a:ext uri="{C183D7F6-B498-43B3-948B-1728B52AA6E4}">
+                <adec:decorative xmlns:adec="http://schemas.microsoft.com/office/drawing/2017/decorative" val="1"/>
+              </a:ext>
+            </a:extLst>
+          </p:cNvPr>
+          <p:cNvSpPr>
+            <a:spLocks noGrp="1" noRot="1" noChangeAspect="1" noMove="1" noResize="1" noEditPoints="1" noAdjustHandles="1" noChangeArrowheads="1" noChangeShapeType="1" noTextEdit="1"/>
+          </p:cNvSpPr>
+          <p:nvPr>
+            <p:extLst>
+              <p:ext uri="{386F3935-93C4-4BCD-93E2-E3B085C9AB24}">
+                <p16:designElem xmlns:p16="http://schemas.microsoft.com/office/powerpoint/2015/main" val="1"/>
+              </p:ext>
+            </p:extLst>
+          </p:nvPr>
+        </p:nvSpPr>
+        <p:spPr bwMode="white">
+          <a:xfrm>
+            <a:off x="-1" y="0"/>
+            <a:ext cx="12191999" cy="6858000"/>
+          </a:xfrm>
+          <a:prstGeom prst="rect">
+            <a:avLst/>
+          </a:prstGeom>
+          <a:ln>
+            <a:noFill/>
+          </a:ln>
+        </p:spPr>
+        <p:style>
+          <a:lnRef idx="2">
+            <a:schemeClr val="accent1">
+              <a:shade val="50000"/>
+            </a:schemeClr>
+          </a:lnRef>
+          <a:fillRef idx="1">
+            <a:schemeClr val="accent1"/>
+          </a:fillRef>
+          <a:effectRef idx="0">
+            <a:schemeClr val="accent1"/>
+          </a:effectRef>
+          <a:fontRef idx="minor">
+            <a:schemeClr val="lt1"/>
+          </a:fontRef>
+        </p:style>
+        <p:txBody>
+          <a:bodyPr rtlCol="0" anchor="ctr"/>
+          <a:lstStyle>
+            <a:defPPr>
+              <a:defRPr lang="en-US"/>
+            </a:defPPr>
+            <a:lvl1pPr marL="0" algn="l" defTabSz="914400" rtl="0" eaLnBrk="1" latinLnBrk="0" hangingPunct="1">
+              <a:defRPr sz="1800" kern="1200">
+                <a:solidFill>
+                  <a:schemeClr val="lt1"/>
+                </a:solidFill>
+                <a:latin typeface="+mn-lt"/>
+                <a:ea typeface="+mn-ea"/>
+                <a:cs typeface="+mn-cs"/>
+              </a:defRPr>
+            </a:lvl1pPr>
+            <a:lvl2pPr marL="457200" algn="l" defTabSz="914400" rtl="0" eaLnBrk="1" latinLnBrk="0" hangingPunct="1">
+              <a:defRPr sz="1800" kern="1200">
+                <a:solidFill>
+                  <a:schemeClr val="lt1"/>
+                </a:solidFill>
+                <a:latin typeface="+mn-lt"/>
+                <a:ea typeface="+mn-ea"/>
+                <a:cs typeface="+mn-cs"/>
+              </a:defRPr>
+            </a:lvl2pPr>
+            <a:lvl3pPr marL="914400" algn="l" defTabSz="914400" rtl="0" eaLnBrk="1" latinLnBrk="0" hangingPunct="1">
+              <a:defRPr sz="1800" kern="1200">
+                <a:solidFill>
+                  <a:schemeClr val="lt1"/>
+                </a:solidFill>
+                <a:latin typeface="+mn-lt"/>
+                <a:ea typeface="+mn-ea"/>
+                <a:cs typeface="+mn-cs"/>
+              </a:defRPr>
+            </a:lvl3pPr>
+            <a:lvl4pPr marL="1371600" algn="l" defTabSz="914400" rtl="0" eaLnBrk="1" latinLnBrk="0" hangingPunct="1">
+              <a:defRPr sz="1800" kern="1200">
+                <a:solidFill>
+                  <a:schemeClr val="lt1"/>
+                </a:solidFill>
+                <a:latin typeface="+mn-lt"/>
+                <a:ea typeface="+mn-ea"/>
+                <a:cs typeface="+mn-cs"/>
+              </a:defRPr>
+            </a:lvl4pPr>
+            <a:lvl5pPr marL="1828800" algn="l" defTabSz="914400" rtl="0" eaLnBrk="1" latinLnBrk="0" hangingPunct="1">
+              <a:defRPr sz="1800" kern="1200">
+                <a:solidFill>
+                  <a:schemeClr val="lt1"/>
+                </a:solidFill>
+                <a:latin typeface="+mn-lt"/>
+                <a:ea typeface="+mn-ea"/>
+                <a:cs typeface="+mn-cs"/>
+              </a:defRPr>
+            </a:lvl5pPr>
+            <a:lvl6pPr marL="2286000" algn="l" defTabSz="914400" rtl="0" eaLnBrk="1" latinLnBrk="0" hangingPunct="1">
+              <a:defRPr sz="1800" kern="1200">
+                <a:solidFill>
+                  <a:schemeClr val="lt1"/>
+                </a:solidFill>
+                <a:latin typeface="+mn-lt"/>
+                <a:ea typeface="+mn-ea"/>
+                <a:cs typeface="+mn-cs"/>
+              </a:defRPr>
+            </a:lvl6pPr>
+            <a:lvl7pPr marL="2743200" algn="l" defTabSz="914400" rtl="0" eaLnBrk="1" latinLnBrk="0" hangingPunct="1">
+              <a:defRPr sz="1800" kern="1200">
+                <a:solidFill>
+                  <a:schemeClr val="lt1"/>
+                </a:solidFill>
+                <a:latin typeface="+mn-lt"/>
+                <a:ea typeface="+mn-ea"/>
+                <a:cs typeface="+mn-cs"/>
+              </a:defRPr>
+            </a:lvl7pPr>
+            <a:lvl8pPr marL="3200400" algn="l" defTabSz="914400" rtl="0" eaLnBrk="1" latinLnBrk="0" hangingPunct="1">
+              <a:defRPr sz="1800" kern="1200">
+                <a:solidFill>
+                  <a:schemeClr val="lt1"/>
+                </a:solidFill>
+                <a:latin typeface="+mn-lt"/>
+                <a:ea typeface="+mn-ea"/>
+                <a:cs typeface="+mn-cs"/>
+              </a:defRPr>
+            </a:lvl8pPr>
+            <a:lvl9pPr marL="3657600" algn="l" defTabSz="914400" rtl="0" eaLnBrk="1" latinLnBrk="0" hangingPunct="1">
+              <a:defRPr sz="1800" kern="1200">
+                <a:solidFill>
+                  <a:schemeClr val="lt1"/>
+                </a:solidFill>
+                <a:latin typeface="+mn-lt"/>
+                <a:ea typeface="+mn-ea"/>
+                <a:cs typeface="+mn-cs"/>
+              </a:defRPr>
+            </a:lvl9pPr>
+          </a:lstStyle>
+          <a:p>
+            <a:pPr algn="ctr"/>
+            <a:endParaRPr lang="en-US"/>
+          </a:p>
+        </p:txBody>
+      </p:sp>
+      <p:sp useBgFill="1">
+        <p:nvSpPr>
+          <p:cNvPr id="11" name="Rectangle 10">
+            <a:extLst>
+              <a:ext uri="{FF2B5EF4-FFF2-40B4-BE49-F238E27FC236}">
+                <a16:creationId xmlns:a16="http://schemas.microsoft.com/office/drawing/2014/main" id="{E81BF4F6-F2CF-4984-9D14-D6966D92F99F}"/>
+              </a:ext>
+              <a:ext uri="{C183D7F6-B498-43B3-948B-1728B52AA6E4}">
+                <adec:decorative xmlns:adec="http://schemas.microsoft.com/office/drawing/2017/decorative" val="1"/>
+              </a:ext>
+            </a:extLst>
+          </p:cNvPr>
+          <p:cNvSpPr>
+            <a:spLocks noGrp="1" noRot="1" noChangeAspect="1" noMove="1" noResize="1" noEditPoints="1" noAdjustHandles="1" noChangeArrowheads="1" noChangeShapeType="1" noTextEdit="1"/>
+          </p:cNvSpPr>
+          <p:nvPr>
+            <p:extLst>
+              <p:ext uri="{386F3935-93C4-4BCD-93E2-E3B085C9AB24}">
+                <p16:designElem xmlns:p16="http://schemas.microsoft.com/office/powerpoint/2015/main" val="1"/>
+              </p:ext>
+            </p:extLst>
+          </p:nvPr>
+        </p:nvSpPr>
+        <p:spPr>
+          <a:xfrm>
+            <a:off x="1" y="0"/>
+            <a:ext cx="8522446" cy="2285999"/>
+          </a:xfrm>
+          <a:prstGeom prst="rect">
+            <a:avLst/>
+          </a:prstGeom>
+          <a:ln>
+            <a:noFill/>
+          </a:ln>
+          <a:effectLst>
+            <a:outerShdw blurRad="596900" dist="304800" dir="7140000" sx="90000" sy="90000" algn="t" rotWithShape="0">
+              <a:srgbClr val="000000">
+                <a:alpha val="15000"/>
+              </a:srgbClr>
+            </a:outerShdw>
+          </a:effectLst>
+        </p:spPr>
+        <p:style>
+          <a:lnRef idx="2">
+            <a:schemeClr val="accent1">
+              <a:shade val="50000"/>
+            </a:schemeClr>
+          </a:lnRef>
+          <a:fillRef idx="1">
+            <a:schemeClr val="accent1"/>
+          </a:fillRef>
+          <a:effectRef idx="0">
+            <a:schemeClr val="accent1"/>
+          </a:effectRef>
+          <a:fontRef idx="minor">
+            <a:schemeClr val="lt1"/>
+          </a:fontRef>
+        </p:style>
+        <p:txBody>
+          <a:bodyPr rtlCol="0" anchor="ctr"/>
+          <a:lstStyle/>
+          <a:p>
+            <a:pPr algn="ctr"/>
+            <a:endParaRPr lang="en-US"/>
+          </a:p>
+        </p:txBody>
+      </p:sp>
       <p:sp>
         <p:nvSpPr>
           <p:cNvPr id="2" name="タイトル 1">
@@ -7381,13 +8382,20 @@
             <p:ph type="title"/>
           </p:nvPr>
         </p:nvSpPr>
-        <p:spPr/>
-        <p:txBody>
-          <a:bodyPr/>
+        <p:spPr>
+          <a:xfrm>
+            <a:off x="761803" y="350196"/>
+            <a:ext cx="4646904" cy="1624520"/>
+          </a:xfrm>
+        </p:spPr>
+        <p:txBody>
+          <a:bodyPr anchor="ctr">
+            <a:normAutofit/>
+          </a:bodyPr>
           <a:lstStyle/>
           <a:p>
             <a:r>
-              <a:rPr kumimoji="1" lang="ja-JP" altLang="en-US" b="1" dirty="0"/>
+              <a:rPr kumimoji="1" lang="ja-JP" altLang="en-US" sz="4000" b="1"/>
               <a:t>まとめ</a:t>
             </a:r>
           </a:p>
@@ -7409,35 +8417,71 @@
             <p:ph idx="1"/>
           </p:nvPr>
         </p:nvSpPr>
-        <p:spPr/>
-        <p:txBody>
-          <a:bodyPr anchor="b"/>
+        <p:spPr>
+          <a:xfrm>
+            <a:off x="761802" y="2743200"/>
+            <a:ext cx="4646905" cy="3613149"/>
+          </a:xfrm>
+        </p:spPr>
+        <p:txBody>
+          <a:bodyPr anchor="ctr">
+            <a:normAutofit/>
+          </a:bodyPr>
           <a:lstStyle/>
           <a:p>
             <a:r>
-              <a:rPr kumimoji="1" lang="ja-JP" altLang="en-US" dirty="0"/>
+              <a:rPr kumimoji="1" lang="ja-JP" altLang="en-US" sz="2000"/>
               <a:t>始めと想定した機能にないものを追加で作ってたのでもっと計画を事前に練って開発したい</a:t>
             </a:r>
-            <a:endParaRPr kumimoji="1" lang="en-US" altLang="ja-JP" dirty="0"/>
-          </a:p>
-          <a:p>
-            <a:endParaRPr lang="en-US" altLang="ja-JP" dirty="0"/>
-          </a:p>
-          <a:p>
-            <a:r>
-              <a:rPr kumimoji="1" lang="ja-JP" altLang="en-US" dirty="0"/>
+            <a:endParaRPr kumimoji="1" lang="en-US" altLang="ja-JP" sz="2000"/>
+          </a:p>
+          <a:p>
+            <a:endParaRPr lang="en-US" altLang="ja-JP" sz="2000"/>
+          </a:p>
+          <a:p>
+            <a:r>
+              <a:rPr kumimoji="1" lang="ja-JP" altLang="en-US" sz="2000"/>
               <a:t>未実装の機能とかもあったのでもっと集中して開発できるようになりたい</a:t>
             </a:r>
-            <a:endParaRPr kumimoji="1" lang="en-US" altLang="ja-JP" dirty="0"/>
-          </a:p>
-          <a:p>
-            <a:endParaRPr lang="en-US" altLang="ja-JP" dirty="0"/>
-          </a:p>
-          <a:p>
-            <a:endParaRPr kumimoji="1" lang="ja-JP" altLang="en-US" dirty="0"/>
-          </a:p>
-        </p:txBody>
-      </p:sp>
+            <a:endParaRPr kumimoji="1" lang="en-US" altLang="ja-JP" sz="2000"/>
+          </a:p>
+          <a:p>
+            <a:endParaRPr lang="en-US" altLang="ja-JP" sz="2000"/>
+          </a:p>
+          <a:p>
+            <a:endParaRPr kumimoji="1" lang="ja-JP" altLang="en-US" sz="2000"/>
+          </a:p>
+        </p:txBody>
+      </p:sp>
+      <p:pic>
+        <p:nvPicPr>
+          <p:cNvPr id="5" name="Picture 4" descr="虫眼鏡と明るい背景">
+            <a:extLst>
+              <a:ext uri="{FF2B5EF4-FFF2-40B4-BE49-F238E27FC236}">
+                <a16:creationId xmlns:a16="http://schemas.microsoft.com/office/drawing/2014/main" id="{8BFAA67D-062B-7B3B-CD43-BD798C83E559}"/>
+              </a:ext>
+            </a:extLst>
+          </p:cNvPr>
+          <p:cNvPicPr>
+            <a:picLocks noChangeAspect="1"/>
+          </p:cNvPicPr>
+          <p:nvPr/>
+        </p:nvPicPr>
+        <p:blipFill>
+          <a:blip r:embed="rId2"/>
+          <a:srcRect l="33440" r="7160" b="-2"/>
+          <a:stretch/>
+        </p:blipFill>
+        <p:spPr>
+          <a:xfrm>
+            <a:off x="6096000" y="1"/>
+            <a:ext cx="6102825" cy="6858000"/>
+          </a:xfrm>
+          <a:prstGeom prst="rect">
+            <a:avLst/>
+          </a:prstGeom>
+        </p:spPr>
+      </p:pic>
     </p:spTree>
     <p:extLst>
       <p:ext uri="{BB962C8B-B14F-4D97-AF65-F5344CB8AC3E}">
@@ -7451,7 +8495,7 @@
 </p:sld>
 </file>
 
-<file path=ppt/slides/slide7.xml><?xml version="1.0" encoding="utf-8"?>
+<file path=ppt/slides/slide8.xml><?xml version="1.0" encoding="utf-8"?>
 <p:sld xmlns:a="http://schemas.openxmlformats.org/drawingml/2006/main" xmlns:r="http://schemas.openxmlformats.org/officeDocument/2006/relationships" xmlns:p="http://schemas.openxmlformats.org/presentationml/2006/main">
   <p:cSld>
     <p:spTree>
@@ -7598,7 +8642,7 @@
 </p:sld>
 </file>
 
-<file path=ppt/slides/slide8.xml><?xml version="1.0" encoding="utf-8"?>
+<file path=ppt/slides/slide9.xml><?xml version="1.0" encoding="utf-8"?>
 <p:sld xmlns:a="http://schemas.openxmlformats.org/drawingml/2006/main" xmlns:r="http://schemas.openxmlformats.org/officeDocument/2006/relationships" xmlns:p="http://schemas.openxmlformats.org/presentationml/2006/main">
   <p:cSld>
     <p:spTree>
